--- a/ppt 16-9/1031.神的旨意.pptx
+++ b/ppt 16-9/1031.神的旨意.pptx
@@ -5,7 +5,7 @@
     <p:sldMasterId id="2147483648" r:id="rId1"/>
   </p:sldMasterIdLst>
   <p:sldIdLst>
-    <p:sldId id="460" r:id="rId2"/>
+    <p:sldId id="461" r:id="rId2"/>
   </p:sldIdLst>
   <p:sldSz cx="12192000" cy="6858000"/>
   <p:notesSz cx="6858000" cy="9144000"/>
@@ -129,7 +129,7 @@
           <p:cNvPr id="2" name="标题 1">
             <a:extLst>
               <a:ext uri="{FF2B5EF4-FFF2-40B4-BE49-F238E27FC236}">
-                <a16:creationId xmlns:a16="http://schemas.microsoft.com/office/drawing/2014/main" id="{243355C6-07B1-0E55-4E18-8DB827196716}"/>
+                <a16:creationId xmlns:a16="http://schemas.microsoft.com/office/drawing/2014/main" id="{F169C574-7385-5444-4600-5B61DEF8991F}"/>
               </a:ext>
             </a:extLst>
           </p:cNvPr>
@@ -166,7 +166,7 @@
           <p:cNvPr id="3" name="副标题 2">
             <a:extLst>
               <a:ext uri="{FF2B5EF4-FFF2-40B4-BE49-F238E27FC236}">
-                <a16:creationId xmlns:a16="http://schemas.microsoft.com/office/drawing/2014/main" id="{DAEF2DB0-9576-0643-620D-C0139E5F6C0B}"/>
+                <a16:creationId xmlns:a16="http://schemas.microsoft.com/office/drawing/2014/main" id="{67D92917-5718-31D9-B31D-1BC5D4FF1BF5}"/>
               </a:ext>
             </a:extLst>
           </p:cNvPr>
@@ -236,7 +236,7 @@
           <p:cNvPr id="4" name="日期占位符 3">
             <a:extLst>
               <a:ext uri="{FF2B5EF4-FFF2-40B4-BE49-F238E27FC236}">
-                <a16:creationId xmlns:a16="http://schemas.microsoft.com/office/drawing/2014/main" id="{03B5C91F-894C-E326-7DA7-D7482C43966F}"/>
+                <a16:creationId xmlns:a16="http://schemas.microsoft.com/office/drawing/2014/main" id="{8DEF290E-895E-A00B-F11A-3D5223DA9EF7}"/>
               </a:ext>
             </a:extLst>
           </p:cNvPr>
@@ -252,7 +252,7 @@
           <a:bodyPr/>
           <a:lstStyle/>
           <a:p>
-            <a:fld id="{7A4E16F8-89FA-46AE-BCBD-302EDAF091A8}" type="datetimeFigureOut">
+            <a:fld id="{A4693F60-6F60-49E7-BA2E-BD58D91EBAFE}" type="datetimeFigureOut">
               <a:rPr lang="zh-CN" altLang="en-US" smtClean="0"/>
               <a:t>2024/3/10</a:t>
             </a:fld>
@@ -265,7 +265,7 @@
           <p:cNvPr id="5" name="页脚占位符 4">
             <a:extLst>
               <a:ext uri="{FF2B5EF4-FFF2-40B4-BE49-F238E27FC236}">
-                <a16:creationId xmlns:a16="http://schemas.microsoft.com/office/drawing/2014/main" id="{05BC6313-B51A-C1C1-7545-B6C4093FD5DD}"/>
+                <a16:creationId xmlns:a16="http://schemas.microsoft.com/office/drawing/2014/main" id="{60C3FA19-7FEE-2E43-1BCE-51F02E5F2CBD}"/>
               </a:ext>
             </a:extLst>
           </p:cNvPr>
@@ -290,7 +290,7 @@
           <p:cNvPr id="6" name="灯片编号占位符 5">
             <a:extLst>
               <a:ext uri="{FF2B5EF4-FFF2-40B4-BE49-F238E27FC236}">
-                <a16:creationId xmlns:a16="http://schemas.microsoft.com/office/drawing/2014/main" id="{5B9E16AF-3C4B-CB19-6219-D74AF41AAAC1}"/>
+                <a16:creationId xmlns:a16="http://schemas.microsoft.com/office/drawing/2014/main" id="{194F6392-0E36-AD9B-754E-676F9A8B2E6C}"/>
               </a:ext>
             </a:extLst>
           </p:cNvPr>
@@ -306,7 +306,7 @@
           <a:bodyPr/>
           <a:lstStyle/>
           <a:p>
-            <a:fld id="{170FA92E-6F3B-4F99-A8DC-D0F52E8B7CCE}" type="slidenum">
+            <a:fld id="{5D30EC08-E126-4E06-8160-B34877E6873C}" type="slidenum">
               <a:rPr lang="zh-CN" altLang="en-US" smtClean="0"/>
               <a:t>‹#›</a:t>
             </a:fld>
@@ -317,7 +317,7 @@
     </p:spTree>
     <p:extLst>
       <p:ext uri="{BB962C8B-B14F-4D97-AF65-F5344CB8AC3E}">
-        <p14:creationId xmlns:p14="http://schemas.microsoft.com/office/powerpoint/2010/main" val="2448926774"/>
+        <p14:creationId xmlns:p14="http://schemas.microsoft.com/office/powerpoint/2010/main" val="494624520"/>
       </p:ext>
     </p:extLst>
   </p:cSld>
@@ -349,7 +349,7 @@
           <p:cNvPr id="2" name="标题 1">
             <a:extLst>
               <a:ext uri="{FF2B5EF4-FFF2-40B4-BE49-F238E27FC236}">
-                <a16:creationId xmlns:a16="http://schemas.microsoft.com/office/drawing/2014/main" id="{EAD70191-8532-BB2C-E625-3F709E476473}"/>
+                <a16:creationId xmlns:a16="http://schemas.microsoft.com/office/drawing/2014/main" id="{07875AFC-66E3-57ED-4687-31DCDCE83FEB}"/>
               </a:ext>
             </a:extLst>
           </p:cNvPr>
@@ -377,7 +377,7 @@
           <p:cNvPr id="3" name="竖排文字占位符 2">
             <a:extLst>
               <a:ext uri="{FF2B5EF4-FFF2-40B4-BE49-F238E27FC236}">
-                <a16:creationId xmlns:a16="http://schemas.microsoft.com/office/drawing/2014/main" id="{587A0B33-F917-B02A-A8DA-77F1234E343F}"/>
+                <a16:creationId xmlns:a16="http://schemas.microsoft.com/office/drawing/2014/main" id="{6F6722E3-20C3-D057-A2EC-DF1AAFED27BC}"/>
               </a:ext>
             </a:extLst>
           </p:cNvPr>
@@ -434,7 +434,7 @@
           <p:cNvPr id="4" name="日期占位符 3">
             <a:extLst>
               <a:ext uri="{FF2B5EF4-FFF2-40B4-BE49-F238E27FC236}">
-                <a16:creationId xmlns:a16="http://schemas.microsoft.com/office/drawing/2014/main" id="{897CA4D8-B26C-6917-BF8B-A139906EBA58}"/>
+                <a16:creationId xmlns:a16="http://schemas.microsoft.com/office/drawing/2014/main" id="{5C85E82F-63E7-BC8A-1B1A-0217117D38D2}"/>
               </a:ext>
             </a:extLst>
           </p:cNvPr>
@@ -450,7 +450,7 @@
           <a:bodyPr/>
           <a:lstStyle/>
           <a:p>
-            <a:fld id="{7A4E16F8-89FA-46AE-BCBD-302EDAF091A8}" type="datetimeFigureOut">
+            <a:fld id="{A4693F60-6F60-49E7-BA2E-BD58D91EBAFE}" type="datetimeFigureOut">
               <a:rPr lang="zh-CN" altLang="en-US" smtClean="0"/>
               <a:t>2024/3/10</a:t>
             </a:fld>
@@ -463,7 +463,7 @@
           <p:cNvPr id="5" name="页脚占位符 4">
             <a:extLst>
               <a:ext uri="{FF2B5EF4-FFF2-40B4-BE49-F238E27FC236}">
-                <a16:creationId xmlns:a16="http://schemas.microsoft.com/office/drawing/2014/main" id="{C699548B-30FD-631E-B584-6F417FF510F0}"/>
+                <a16:creationId xmlns:a16="http://schemas.microsoft.com/office/drawing/2014/main" id="{64802C6E-65B2-EBA4-2E4C-3E64171BD1A9}"/>
               </a:ext>
             </a:extLst>
           </p:cNvPr>
@@ -488,7 +488,7 @@
           <p:cNvPr id="6" name="灯片编号占位符 5">
             <a:extLst>
               <a:ext uri="{FF2B5EF4-FFF2-40B4-BE49-F238E27FC236}">
-                <a16:creationId xmlns:a16="http://schemas.microsoft.com/office/drawing/2014/main" id="{01ABDE34-2B75-E764-0C0A-D626581D29AE}"/>
+                <a16:creationId xmlns:a16="http://schemas.microsoft.com/office/drawing/2014/main" id="{0D0DEC53-BF60-95DC-43DE-BE184437394D}"/>
               </a:ext>
             </a:extLst>
           </p:cNvPr>
@@ -504,7 +504,7 @@
           <a:bodyPr/>
           <a:lstStyle/>
           <a:p>
-            <a:fld id="{170FA92E-6F3B-4F99-A8DC-D0F52E8B7CCE}" type="slidenum">
+            <a:fld id="{5D30EC08-E126-4E06-8160-B34877E6873C}" type="slidenum">
               <a:rPr lang="zh-CN" altLang="en-US" smtClean="0"/>
               <a:t>‹#›</a:t>
             </a:fld>
@@ -515,7 +515,7 @@
     </p:spTree>
     <p:extLst>
       <p:ext uri="{BB962C8B-B14F-4D97-AF65-F5344CB8AC3E}">
-        <p14:creationId xmlns:p14="http://schemas.microsoft.com/office/powerpoint/2010/main" val="4161750255"/>
+        <p14:creationId xmlns:p14="http://schemas.microsoft.com/office/powerpoint/2010/main" val="3396037167"/>
       </p:ext>
     </p:extLst>
   </p:cSld>
@@ -547,7 +547,7 @@
           <p:cNvPr id="2" name="竖排标题 1">
             <a:extLst>
               <a:ext uri="{FF2B5EF4-FFF2-40B4-BE49-F238E27FC236}">
-                <a16:creationId xmlns:a16="http://schemas.microsoft.com/office/drawing/2014/main" id="{19E1DC1A-3455-2C2D-CF3A-C88010C545AE}"/>
+                <a16:creationId xmlns:a16="http://schemas.microsoft.com/office/drawing/2014/main" id="{DADC6269-9613-7241-45BA-3BC6799E0BD8}"/>
               </a:ext>
             </a:extLst>
           </p:cNvPr>
@@ -580,7 +580,7 @@
           <p:cNvPr id="3" name="竖排文字占位符 2">
             <a:extLst>
               <a:ext uri="{FF2B5EF4-FFF2-40B4-BE49-F238E27FC236}">
-                <a16:creationId xmlns:a16="http://schemas.microsoft.com/office/drawing/2014/main" id="{82E32ED3-7935-EDC1-AC37-9203058F9E47}"/>
+                <a16:creationId xmlns:a16="http://schemas.microsoft.com/office/drawing/2014/main" id="{E4778514-7D93-0873-F928-909A583AFBF9}"/>
               </a:ext>
             </a:extLst>
           </p:cNvPr>
@@ -642,7 +642,7 @@
           <p:cNvPr id="4" name="日期占位符 3">
             <a:extLst>
               <a:ext uri="{FF2B5EF4-FFF2-40B4-BE49-F238E27FC236}">
-                <a16:creationId xmlns:a16="http://schemas.microsoft.com/office/drawing/2014/main" id="{705D273C-0AD9-A577-6E20-56348B06410A}"/>
+                <a16:creationId xmlns:a16="http://schemas.microsoft.com/office/drawing/2014/main" id="{9279F032-8547-2A34-8F6C-07250F74360E}"/>
               </a:ext>
             </a:extLst>
           </p:cNvPr>
@@ -658,7 +658,7 @@
           <a:bodyPr/>
           <a:lstStyle/>
           <a:p>
-            <a:fld id="{7A4E16F8-89FA-46AE-BCBD-302EDAF091A8}" type="datetimeFigureOut">
+            <a:fld id="{A4693F60-6F60-49E7-BA2E-BD58D91EBAFE}" type="datetimeFigureOut">
               <a:rPr lang="zh-CN" altLang="en-US" smtClean="0"/>
               <a:t>2024/3/10</a:t>
             </a:fld>
@@ -671,7 +671,7 @@
           <p:cNvPr id="5" name="页脚占位符 4">
             <a:extLst>
               <a:ext uri="{FF2B5EF4-FFF2-40B4-BE49-F238E27FC236}">
-                <a16:creationId xmlns:a16="http://schemas.microsoft.com/office/drawing/2014/main" id="{C3F98341-0272-E53A-F683-048CE16F3228}"/>
+                <a16:creationId xmlns:a16="http://schemas.microsoft.com/office/drawing/2014/main" id="{7CA957AA-C584-AB77-9950-2E48932A3580}"/>
               </a:ext>
             </a:extLst>
           </p:cNvPr>
@@ -696,7 +696,7 @@
           <p:cNvPr id="6" name="灯片编号占位符 5">
             <a:extLst>
               <a:ext uri="{FF2B5EF4-FFF2-40B4-BE49-F238E27FC236}">
-                <a16:creationId xmlns:a16="http://schemas.microsoft.com/office/drawing/2014/main" id="{F0579C8A-457E-DBA0-0251-773B24ED9767}"/>
+                <a16:creationId xmlns:a16="http://schemas.microsoft.com/office/drawing/2014/main" id="{601630BE-7B11-26DC-01E0-1F6472BEB623}"/>
               </a:ext>
             </a:extLst>
           </p:cNvPr>
@@ -712,7 +712,7 @@
           <a:bodyPr/>
           <a:lstStyle/>
           <a:p>
-            <a:fld id="{170FA92E-6F3B-4F99-A8DC-D0F52E8B7CCE}" type="slidenum">
+            <a:fld id="{5D30EC08-E126-4E06-8160-B34877E6873C}" type="slidenum">
               <a:rPr lang="zh-CN" altLang="en-US" smtClean="0"/>
               <a:t>‹#›</a:t>
             </a:fld>
@@ -723,7 +723,7 @@
     </p:spTree>
     <p:extLst>
       <p:ext uri="{BB962C8B-B14F-4D97-AF65-F5344CB8AC3E}">
-        <p14:creationId xmlns:p14="http://schemas.microsoft.com/office/powerpoint/2010/main" val="3301698094"/>
+        <p14:creationId xmlns:p14="http://schemas.microsoft.com/office/powerpoint/2010/main" val="2061310731"/>
       </p:ext>
     </p:extLst>
   </p:cSld>
@@ -755,7 +755,7 @@
           <p:cNvPr id="2" name="标题 1">
             <a:extLst>
               <a:ext uri="{FF2B5EF4-FFF2-40B4-BE49-F238E27FC236}">
-                <a16:creationId xmlns:a16="http://schemas.microsoft.com/office/drawing/2014/main" id="{663FDBFC-D0D3-63D0-7D66-747222D74267}"/>
+                <a16:creationId xmlns:a16="http://schemas.microsoft.com/office/drawing/2014/main" id="{746EA0EA-C9DD-245F-E009-31D1D6B3AF94}"/>
               </a:ext>
             </a:extLst>
           </p:cNvPr>
@@ -783,7 +783,7 @@
           <p:cNvPr id="3" name="内容占位符 2">
             <a:extLst>
               <a:ext uri="{FF2B5EF4-FFF2-40B4-BE49-F238E27FC236}">
-                <a16:creationId xmlns:a16="http://schemas.microsoft.com/office/drawing/2014/main" id="{46107D46-59E7-4F23-153B-B7BA99D5283B}"/>
+                <a16:creationId xmlns:a16="http://schemas.microsoft.com/office/drawing/2014/main" id="{7C3AA877-A4A3-2844-6B8C-3519130A9351}"/>
               </a:ext>
             </a:extLst>
           </p:cNvPr>
@@ -840,7 +840,7 @@
           <p:cNvPr id="4" name="日期占位符 3">
             <a:extLst>
               <a:ext uri="{FF2B5EF4-FFF2-40B4-BE49-F238E27FC236}">
-                <a16:creationId xmlns:a16="http://schemas.microsoft.com/office/drawing/2014/main" id="{74BF17A1-AB58-C575-D50A-A31BA54CA519}"/>
+                <a16:creationId xmlns:a16="http://schemas.microsoft.com/office/drawing/2014/main" id="{810D0118-C5D3-8A64-19F3-0D84F03A1241}"/>
               </a:ext>
             </a:extLst>
           </p:cNvPr>
@@ -856,7 +856,7 @@
           <a:bodyPr/>
           <a:lstStyle/>
           <a:p>
-            <a:fld id="{7A4E16F8-89FA-46AE-BCBD-302EDAF091A8}" type="datetimeFigureOut">
+            <a:fld id="{A4693F60-6F60-49E7-BA2E-BD58D91EBAFE}" type="datetimeFigureOut">
               <a:rPr lang="zh-CN" altLang="en-US" smtClean="0"/>
               <a:t>2024/3/10</a:t>
             </a:fld>
@@ -869,7 +869,7 @@
           <p:cNvPr id="5" name="页脚占位符 4">
             <a:extLst>
               <a:ext uri="{FF2B5EF4-FFF2-40B4-BE49-F238E27FC236}">
-                <a16:creationId xmlns:a16="http://schemas.microsoft.com/office/drawing/2014/main" id="{EA3356C9-00B9-07C7-C0AC-051F5EF786E2}"/>
+                <a16:creationId xmlns:a16="http://schemas.microsoft.com/office/drawing/2014/main" id="{F1FE2FB7-87D0-2981-9FEE-A464A6E53F63}"/>
               </a:ext>
             </a:extLst>
           </p:cNvPr>
@@ -894,7 +894,7 @@
           <p:cNvPr id="6" name="灯片编号占位符 5">
             <a:extLst>
               <a:ext uri="{FF2B5EF4-FFF2-40B4-BE49-F238E27FC236}">
-                <a16:creationId xmlns:a16="http://schemas.microsoft.com/office/drawing/2014/main" id="{83715898-3C9D-7F61-0E7E-2E228685060B}"/>
+                <a16:creationId xmlns:a16="http://schemas.microsoft.com/office/drawing/2014/main" id="{E9705BA9-184B-BEAD-2CC5-F36EF8E81ECF}"/>
               </a:ext>
             </a:extLst>
           </p:cNvPr>
@@ -910,7 +910,7 @@
           <a:bodyPr/>
           <a:lstStyle/>
           <a:p>
-            <a:fld id="{170FA92E-6F3B-4F99-A8DC-D0F52E8B7CCE}" type="slidenum">
+            <a:fld id="{5D30EC08-E126-4E06-8160-B34877E6873C}" type="slidenum">
               <a:rPr lang="zh-CN" altLang="en-US" smtClean="0"/>
               <a:t>‹#›</a:t>
             </a:fld>
@@ -921,7 +921,7 @@
     </p:spTree>
     <p:extLst>
       <p:ext uri="{BB962C8B-B14F-4D97-AF65-F5344CB8AC3E}">
-        <p14:creationId xmlns:p14="http://schemas.microsoft.com/office/powerpoint/2010/main" val="3053459466"/>
+        <p14:creationId xmlns:p14="http://schemas.microsoft.com/office/powerpoint/2010/main" val="2044945118"/>
       </p:ext>
     </p:extLst>
   </p:cSld>
@@ -953,7 +953,7 @@
           <p:cNvPr id="2" name="标题 1">
             <a:extLst>
               <a:ext uri="{FF2B5EF4-FFF2-40B4-BE49-F238E27FC236}">
-                <a16:creationId xmlns:a16="http://schemas.microsoft.com/office/drawing/2014/main" id="{F4BEBF39-8D7E-E598-0883-1A1BF10C3698}"/>
+                <a16:creationId xmlns:a16="http://schemas.microsoft.com/office/drawing/2014/main" id="{2682A8F9-8B62-7009-E51A-30B8B13914F0}"/>
               </a:ext>
             </a:extLst>
           </p:cNvPr>
@@ -990,7 +990,7 @@
           <p:cNvPr id="3" name="文本占位符 2">
             <a:extLst>
               <a:ext uri="{FF2B5EF4-FFF2-40B4-BE49-F238E27FC236}">
-                <a16:creationId xmlns:a16="http://schemas.microsoft.com/office/drawing/2014/main" id="{DEE4015F-BB45-D236-2869-60298443AB6C}"/>
+                <a16:creationId xmlns:a16="http://schemas.microsoft.com/office/drawing/2014/main" id="{17ACE89C-B2CF-85ED-3D77-4B7784CA6467}"/>
               </a:ext>
             </a:extLst>
           </p:cNvPr>
@@ -1115,7 +1115,7 @@
           <p:cNvPr id="4" name="日期占位符 3">
             <a:extLst>
               <a:ext uri="{FF2B5EF4-FFF2-40B4-BE49-F238E27FC236}">
-                <a16:creationId xmlns:a16="http://schemas.microsoft.com/office/drawing/2014/main" id="{C83BDB27-9C15-CFF6-A78C-B4C1574CF9B4}"/>
+                <a16:creationId xmlns:a16="http://schemas.microsoft.com/office/drawing/2014/main" id="{61FD4BBF-7EE4-ED4F-6CEF-A38B4B0B3D53}"/>
               </a:ext>
             </a:extLst>
           </p:cNvPr>
@@ -1131,7 +1131,7 @@
           <a:bodyPr/>
           <a:lstStyle/>
           <a:p>
-            <a:fld id="{7A4E16F8-89FA-46AE-BCBD-302EDAF091A8}" type="datetimeFigureOut">
+            <a:fld id="{A4693F60-6F60-49E7-BA2E-BD58D91EBAFE}" type="datetimeFigureOut">
               <a:rPr lang="zh-CN" altLang="en-US" smtClean="0"/>
               <a:t>2024/3/10</a:t>
             </a:fld>
@@ -1144,7 +1144,7 @@
           <p:cNvPr id="5" name="页脚占位符 4">
             <a:extLst>
               <a:ext uri="{FF2B5EF4-FFF2-40B4-BE49-F238E27FC236}">
-                <a16:creationId xmlns:a16="http://schemas.microsoft.com/office/drawing/2014/main" id="{3654F0C5-7CA0-1EB2-B144-05D0450ABB36}"/>
+                <a16:creationId xmlns:a16="http://schemas.microsoft.com/office/drawing/2014/main" id="{0B4D4402-793A-1BD6-9988-8F360457094B}"/>
               </a:ext>
             </a:extLst>
           </p:cNvPr>
@@ -1169,7 +1169,7 @@
           <p:cNvPr id="6" name="灯片编号占位符 5">
             <a:extLst>
               <a:ext uri="{FF2B5EF4-FFF2-40B4-BE49-F238E27FC236}">
-                <a16:creationId xmlns:a16="http://schemas.microsoft.com/office/drawing/2014/main" id="{23CD7EAF-7C13-00D0-9C56-99E60C27E1D7}"/>
+                <a16:creationId xmlns:a16="http://schemas.microsoft.com/office/drawing/2014/main" id="{F8EFA857-A593-47CC-C3C7-D715B444B85E}"/>
               </a:ext>
             </a:extLst>
           </p:cNvPr>
@@ -1185,7 +1185,7 @@
           <a:bodyPr/>
           <a:lstStyle/>
           <a:p>
-            <a:fld id="{170FA92E-6F3B-4F99-A8DC-D0F52E8B7CCE}" type="slidenum">
+            <a:fld id="{5D30EC08-E126-4E06-8160-B34877E6873C}" type="slidenum">
               <a:rPr lang="zh-CN" altLang="en-US" smtClean="0"/>
               <a:t>‹#›</a:t>
             </a:fld>
@@ -1196,7 +1196,7 @@
     </p:spTree>
     <p:extLst>
       <p:ext uri="{BB962C8B-B14F-4D97-AF65-F5344CB8AC3E}">
-        <p14:creationId xmlns:p14="http://schemas.microsoft.com/office/powerpoint/2010/main" val="3492274245"/>
+        <p14:creationId xmlns:p14="http://schemas.microsoft.com/office/powerpoint/2010/main" val="2175925935"/>
       </p:ext>
     </p:extLst>
   </p:cSld>
@@ -1228,7 +1228,7 @@
           <p:cNvPr id="2" name="标题 1">
             <a:extLst>
               <a:ext uri="{FF2B5EF4-FFF2-40B4-BE49-F238E27FC236}">
-                <a16:creationId xmlns:a16="http://schemas.microsoft.com/office/drawing/2014/main" id="{7D92E70F-18C5-6931-A3CD-62E6599CA48B}"/>
+                <a16:creationId xmlns:a16="http://schemas.microsoft.com/office/drawing/2014/main" id="{E1875132-8A1C-40F6-CDE8-28642531FE46}"/>
               </a:ext>
             </a:extLst>
           </p:cNvPr>
@@ -1256,7 +1256,7 @@
           <p:cNvPr id="3" name="内容占位符 2">
             <a:extLst>
               <a:ext uri="{FF2B5EF4-FFF2-40B4-BE49-F238E27FC236}">
-                <a16:creationId xmlns:a16="http://schemas.microsoft.com/office/drawing/2014/main" id="{5C4D4654-A0C5-8DA0-8105-9E513012D62B}"/>
+                <a16:creationId xmlns:a16="http://schemas.microsoft.com/office/drawing/2014/main" id="{DFB8CF49-0A73-64BB-A090-744F4302750F}"/>
               </a:ext>
             </a:extLst>
           </p:cNvPr>
@@ -1318,7 +1318,7 @@
           <p:cNvPr id="4" name="内容占位符 3">
             <a:extLst>
               <a:ext uri="{FF2B5EF4-FFF2-40B4-BE49-F238E27FC236}">
-                <a16:creationId xmlns:a16="http://schemas.microsoft.com/office/drawing/2014/main" id="{CB1C2678-0E96-28F2-E654-C14D02EF0540}"/>
+                <a16:creationId xmlns:a16="http://schemas.microsoft.com/office/drawing/2014/main" id="{D55AB0CD-C249-D04B-8DDF-DEECCA850FE1}"/>
               </a:ext>
             </a:extLst>
           </p:cNvPr>
@@ -1380,7 +1380,7 @@
           <p:cNvPr id="5" name="日期占位符 4">
             <a:extLst>
               <a:ext uri="{FF2B5EF4-FFF2-40B4-BE49-F238E27FC236}">
-                <a16:creationId xmlns:a16="http://schemas.microsoft.com/office/drawing/2014/main" id="{154ECF4F-D595-D065-9BAC-2E91D2F60660}"/>
+                <a16:creationId xmlns:a16="http://schemas.microsoft.com/office/drawing/2014/main" id="{FA2C2FAA-4850-06C0-1C20-412A44DCE41F}"/>
               </a:ext>
             </a:extLst>
           </p:cNvPr>
@@ -1396,7 +1396,7 @@
           <a:bodyPr/>
           <a:lstStyle/>
           <a:p>
-            <a:fld id="{7A4E16F8-89FA-46AE-BCBD-302EDAF091A8}" type="datetimeFigureOut">
+            <a:fld id="{A4693F60-6F60-49E7-BA2E-BD58D91EBAFE}" type="datetimeFigureOut">
               <a:rPr lang="zh-CN" altLang="en-US" smtClean="0"/>
               <a:t>2024/3/10</a:t>
             </a:fld>
@@ -1409,7 +1409,7 @@
           <p:cNvPr id="6" name="页脚占位符 5">
             <a:extLst>
               <a:ext uri="{FF2B5EF4-FFF2-40B4-BE49-F238E27FC236}">
-                <a16:creationId xmlns:a16="http://schemas.microsoft.com/office/drawing/2014/main" id="{CE45E399-A554-A800-95CC-986806843C6C}"/>
+                <a16:creationId xmlns:a16="http://schemas.microsoft.com/office/drawing/2014/main" id="{58C05E83-52CF-31EA-8FA7-B40571EA2150}"/>
               </a:ext>
             </a:extLst>
           </p:cNvPr>
@@ -1434,7 +1434,7 @@
           <p:cNvPr id="7" name="灯片编号占位符 6">
             <a:extLst>
               <a:ext uri="{FF2B5EF4-FFF2-40B4-BE49-F238E27FC236}">
-                <a16:creationId xmlns:a16="http://schemas.microsoft.com/office/drawing/2014/main" id="{023E3381-166E-DDB1-FA9B-C5E024B1CED2}"/>
+                <a16:creationId xmlns:a16="http://schemas.microsoft.com/office/drawing/2014/main" id="{E33DDCEF-F1A6-C475-18D5-EBA3363E06E1}"/>
               </a:ext>
             </a:extLst>
           </p:cNvPr>
@@ -1450,7 +1450,7 @@
           <a:bodyPr/>
           <a:lstStyle/>
           <a:p>
-            <a:fld id="{170FA92E-6F3B-4F99-A8DC-D0F52E8B7CCE}" type="slidenum">
+            <a:fld id="{5D30EC08-E126-4E06-8160-B34877E6873C}" type="slidenum">
               <a:rPr lang="zh-CN" altLang="en-US" smtClean="0"/>
               <a:t>‹#›</a:t>
             </a:fld>
@@ -1461,7 +1461,7 @@
     </p:spTree>
     <p:extLst>
       <p:ext uri="{BB962C8B-B14F-4D97-AF65-F5344CB8AC3E}">
-        <p14:creationId xmlns:p14="http://schemas.microsoft.com/office/powerpoint/2010/main" val="3147474862"/>
+        <p14:creationId xmlns:p14="http://schemas.microsoft.com/office/powerpoint/2010/main" val="2555857365"/>
       </p:ext>
     </p:extLst>
   </p:cSld>
@@ -1493,7 +1493,7 @@
           <p:cNvPr id="2" name="标题 1">
             <a:extLst>
               <a:ext uri="{FF2B5EF4-FFF2-40B4-BE49-F238E27FC236}">
-                <a16:creationId xmlns:a16="http://schemas.microsoft.com/office/drawing/2014/main" id="{FB36BDB5-786E-2E7D-C756-79A9D1031AF9}"/>
+                <a16:creationId xmlns:a16="http://schemas.microsoft.com/office/drawing/2014/main" id="{780B8016-0DE0-C518-25F4-E814D98F0F44}"/>
               </a:ext>
             </a:extLst>
           </p:cNvPr>
@@ -1526,7 +1526,7 @@
           <p:cNvPr id="3" name="文本占位符 2">
             <a:extLst>
               <a:ext uri="{FF2B5EF4-FFF2-40B4-BE49-F238E27FC236}">
-                <a16:creationId xmlns:a16="http://schemas.microsoft.com/office/drawing/2014/main" id="{A61D2768-70EC-44A7-DB73-6A01A8927862}"/>
+                <a16:creationId xmlns:a16="http://schemas.microsoft.com/office/drawing/2014/main" id="{9020BAEE-5219-580D-8FE5-AF775CD4FD5E}"/>
               </a:ext>
             </a:extLst>
           </p:cNvPr>
@@ -1597,7 +1597,7 @@
           <p:cNvPr id="4" name="内容占位符 3">
             <a:extLst>
               <a:ext uri="{FF2B5EF4-FFF2-40B4-BE49-F238E27FC236}">
-                <a16:creationId xmlns:a16="http://schemas.microsoft.com/office/drawing/2014/main" id="{9065B591-8738-7ABB-D2D2-2A4CEBA303E6}"/>
+                <a16:creationId xmlns:a16="http://schemas.microsoft.com/office/drawing/2014/main" id="{EDEA6DC5-8C5D-9F92-CD63-8ABB94C148EA}"/>
               </a:ext>
             </a:extLst>
           </p:cNvPr>
@@ -1659,7 +1659,7 @@
           <p:cNvPr id="5" name="文本占位符 4">
             <a:extLst>
               <a:ext uri="{FF2B5EF4-FFF2-40B4-BE49-F238E27FC236}">
-                <a16:creationId xmlns:a16="http://schemas.microsoft.com/office/drawing/2014/main" id="{EFACA852-434B-2CCC-06E7-EE45DABD9AD6}"/>
+                <a16:creationId xmlns:a16="http://schemas.microsoft.com/office/drawing/2014/main" id="{74FEC143-1ABC-A6F3-1E36-9A4C9EE74504}"/>
               </a:ext>
             </a:extLst>
           </p:cNvPr>
@@ -1730,7 +1730,7 @@
           <p:cNvPr id="6" name="内容占位符 5">
             <a:extLst>
               <a:ext uri="{FF2B5EF4-FFF2-40B4-BE49-F238E27FC236}">
-                <a16:creationId xmlns:a16="http://schemas.microsoft.com/office/drawing/2014/main" id="{8B952E69-ABD7-43E3-12BD-306B9542D398}"/>
+                <a16:creationId xmlns:a16="http://schemas.microsoft.com/office/drawing/2014/main" id="{AEEFC591-3DFF-0F8B-38BC-D7CB399E7AA6}"/>
               </a:ext>
             </a:extLst>
           </p:cNvPr>
@@ -1792,7 +1792,7 @@
           <p:cNvPr id="7" name="日期占位符 6">
             <a:extLst>
               <a:ext uri="{FF2B5EF4-FFF2-40B4-BE49-F238E27FC236}">
-                <a16:creationId xmlns:a16="http://schemas.microsoft.com/office/drawing/2014/main" id="{EF8BDB10-52C5-CB35-FD22-BBDD04C6057F}"/>
+                <a16:creationId xmlns:a16="http://schemas.microsoft.com/office/drawing/2014/main" id="{F983EB4E-AC54-83BA-673D-79C9D84D15AC}"/>
               </a:ext>
             </a:extLst>
           </p:cNvPr>
@@ -1808,7 +1808,7 @@
           <a:bodyPr/>
           <a:lstStyle/>
           <a:p>
-            <a:fld id="{7A4E16F8-89FA-46AE-BCBD-302EDAF091A8}" type="datetimeFigureOut">
+            <a:fld id="{A4693F60-6F60-49E7-BA2E-BD58D91EBAFE}" type="datetimeFigureOut">
               <a:rPr lang="zh-CN" altLang="en-US" smtClean="0"/>
               <a:t>2024/3/10</a:t>
             </a:fld>
@@ -1821,7 +1821,7 @@
           <p:cNvPr id="8" name="页脚占位符 7">
             <a:extLst>
               <a:ext uri="{FF2B5EF4-FFF2-40B4-BE49-F238E27FC236}">
-                <a16:creationId xmlns:a16="http://schemas.microsoft.com/office/drawing/2014/main" id="{23F75AF2-8FD2-3F9F-7005-FB65E9DCE0F6}"/>
+                <a16:creationId xmlns:a16="http://schemas.microsoft.com/office/drawing/2014/main" id="{294A9B17-766E-43CA-808B-A39AB340957D}"/>
               </a:ext>
             </a:extLst>
           </p:cNvPr>
@@ -1846,7 +1846,7 @@
           <p:cNvPr id="9" name="灯片编号占位符 8">
             <a:extLst>
               <a:ext uri="{FF2B5EF4-FFF2-40B4-BE49-F238E27FC236}">
-                <a16:creationId xmlns:a16="http://schemas.microsoft.com/office/drawing/2014/main" id="{0E06493E-1CBA-F5BA-8C2D-6365AFA2E7F2}"/>
+                <a16:creationId xmlns:a16="http://schemas.microsoft.com/office/drawing/2014/main" id="{87444165-748E-2AEF-0A72-5C9B68EE845F}"/>
               </a:ext>
             </a:extLst>
           </p:cNvPr>
@@ -1862,7 +1862,7 @@
           <a:bodyPr/>
           <a:lstStyle/>
           <a:p>
-            <a:fld id="{170FA92E-6F3B-4F99-A8DC-D0F52E8B7CCE}" type="slidenum">
+            <a:fld id="{5D30EC08-E126-4E06-8160-B34877E6873C}" type="slidenum">
               <a:rPr lang="zh-CN" altLang="en-US" smtClean="0"/>
               <a:t>‹#›</a:t>
             </a:fld>
@@ -1873,7 +1873,7 @@
     </p:spTree>
     <p:extLst>
       <p:ext uri="{BB962C8B-B14F-4D97-AF65-F5344CB8AC3E}">
-        <p14:creationId xmlns:p14="http://schemas.microsoft.com/office/powerpoint/2010/main" val="2969264123"/>
+        <p14:creationId xmlns:p14="http://schemas.microsoft.com/office/powerpoint/2010/main" val="2402684061"/>
       </p:ext>
     </p:extLst>
   </p:cSld>
@@ -1905,7 +1905,7 @@
           <p:cNvPr id="2" name="标题 1">
             <a:extLst>
               <a:ext uri="{FF2B5EF4-FFF2-40B4-BE49-F238E27FC236}">
-                <a16:creationId xmlns:a16="http://schemas.microsoft.com/office/drawing/2014/main" id="{4080E81D-9E15-7607-4C8A-518B10507D17}"/>
+                <a16:creationId xmlns:a16="http://schemas.microsoft.com/office/drawing/2014/main" id="{AFD406D0-A3C8-80CF-991D-B55216F2BDDF}"/>
               </a:ext>
             </a:extLst>
           </p:cNvPr>
@@ -1933,7 +1933,7 @@
           <p:cNvPr id="3" name="日期占位符 2">
             <a:extLst>
               <a:ext uri="{FF2B5EF4-FFF2-40B4-BE49-F238E27FC236}">
-                <a16:creationId xmlns:a16="http://schemas.microsoft.com/office/drawing/2014/main" id="{BECF8CD0-565B-21B0-7DE9-124528D992F3}"/>
+                <a16:creationId xmlns:a16="http://schemas.microsoft.com/office/drawing/2014/main" id="{9E4B0048-6992-2258-6BDB-9E33F3DACE1B}"/>
               </a:ext>
             </a:extLst>
           </p:cNvPr>
@@ -1949,7 +1949,7 @@
           <a:bodyPr/>
           <a:lstStyle/>
           <a:p>
-            <a:fld id="{7A4E16F8-89FA-46AE-BCBD-302EDAF091A8}" type="datetimeFigureOut">
+            <a:fld id="{A4693F60-6F60-49E7-BA2E-BD58D91EBAFE}" type="datetimeFigureOut">
               <a:rPr lang="zh-CN" altLang="en-US" smtClean="0"/>
               <a:t>2024/3/10</a:t>
             </a:fld>
@@ -1962,7 +1962,7 @@
           <p:cNvPr id="4" name="页脚占位符 3">
             <a:extLst>
               <a:ext uri="{FF2B5EF4-FFF2-40B4-BE49-F238E27FC236}">
-                <a16:creationId xmlns:a16="http://schemas.microsoft.com/office/drawing/2014/main" id="{CC5949F3-0DE6-2FAF-9EC3-83EA6273AD84}"/>
+                <a16:creationId xmlns:a16="http://schemas.microsoft.com/office/drawing/2014/main" id="{06CD1FCC-C0DA-8588-F2E4-3253BC94653D}"/>
               </a:ext>
             </a:extLst>
           </p:cNvPr>
@@ -1987,7 +1987,7 @@
           <p:cNvPr id="5" name="灯片编号占位符 4">
             <a:extLst>
               <a:ext uri="{FF2B5EF4-FFF2-40B4-BE49-F238E27FC236}">
-                <a16:creationId xmlns:a16="http://schemas.microsoft.com/office/drawing/2014/main" id="{39FD725A-D85F-FE7F-82DF-80687253C558}"/>
+                <a16:creationId xmlns:a16="http://schemas.microsoft.com/office/drawing/2014/main" id="{DA91B793-DFA1-D9B4-15D1-BF41D2F2FB2F}"/>
               </a:ext>
             </a:extLst>
           </p:cNvPr>
@@ -2003,7 +2003,7 @@
           <a:bodyPr/>
           <a:lstStyle/>
           <a:p>
-            <a:fld id="{170FA92E-6F3B-4F99-A8DC-D0F52E8B7CCE}" type="slidenum">
+            <a:fld id="{5D30EC08-E126-4E06-8160-B34877E6873C}" type="slidenum">
               <a:rPr lang="zh-CN" altLang="en-US" smtClean="0"/>
               <a:t>‹#›</a:t>
             </a:fld>
@@ -2014,7 +2014,7 @@
     </p:spTree>
     <p:extLst>
       <p:ext uri="{BB962C8B-B14F-4D97-AF65-F5344CB8AC3E}">
-        <p14:creationId xmlns:p14="http://schemas.microsoft.com/office/powerpoint/2010/main" val="2438050064"/>
+        <p14:creationId xmlns:p14="http://schemas.microsoft.com/office/powerpoint/2010/main" val="3750025028"/>
       </p:ext>
     </p:extLst>
   </p:cSld>
@@ -2046,7 +2046,7 @@
           <p:cNvPr id="2" name="日期占位符 1">
             <a:extLst>
               <a:ext uri="{FF2B5EF4-FFF2-40B4-BE49-F238E27FC236}">
-                <a16:creationId xmlns:a16="http://schemas.microsoft.com/office/drawing/2014/main" id="{22D31452-7416-5A24-E4AC-3703878646B2}"/>
+                <a16:creationId xmlns:a16="http://schemas.microsoft.com/office/drawing/2014/main" id="{ABC3C9E8-E411-572A-C10D-213BF79586CC}"/>
               </a:ext>
             </a:extLst>
           </p:cNvPr>
@@ -2062,7 +2062,7 @@
           <a:bodyPr/>
           <a:lstStyle/>
           <a:p>
-            <a:fld id="{7A4E16F8-89FA-46AE-BCBD-302EDAF091A8}" type="datetimeFigureOut">
+            <a:fld id="{A4693F60-6F60-49E7-BA2E-BD58D91EBAFE}" type="datetimeFigureOut">
               <a:rPr lang="zh-CN" altLang="en-US" smtClean="0"/>
               <a:t>2024/3/10</a:t>
             </a:fld>
@@ -2075,7 +2075,7 @@
           <p:cNvPr id="3" name="页脚占位符 2">
             <a:extLst>
               <a:ext uri="{FF2B5EF4-FFF2-40B4-BE49-F238E27FC236}">
-                <a16:creationId xmlns:a16="http://schemas.microsoft.com/office/drawing/2014/main" id="{0710BE48-1FB4-9F4D-3A4C-31D297D5D9CC}"/>
+                <a16:creationId xmlns:a16="http://schemas.microsoft.com/office/drawing/2014/main" id="{8D3BA80D-28D3-0C72-248D-D0A86E5655E7}"/>
               </a:ext>
             </a:extLst>
           </p:cNvPr>
@@ -2100,7 +2100,7 @@
           <p:cNvPr id="4" name="灯片编号占位符 3">
             <a:extLst>
               <a:ext uri="{FF2B5EF4-FFF2-40B4-BE49-F238E27FC236}">
-                <a16:creationId xmlns:a16="http://schemas.microsoft.com/office/drawing/2014/main" id="{CE0C0AB5-673D-CDB1-0A00-F96703BD7E8E}"/>
+                <a16:creationId xmlns:a16="http://schemas.microsoft.com/office/drawing/2014/main" id="{A1E35514-35F2-3B8C-BEFB-32836B6D6CC2}"/>
               </a:ext>
             </a:extLst>
           </p:cNvPr>
@@ -2116,7 +2116,7 @@
           <a:bodyPr/>
           <a:lstStyle/>
           <a:p>
-            <a:fld id="{170FA92E-6F3B-4F99-A8DC-D0F52E8B7CCE}" type="slidenum">
+            <a:fld id="{5D30EC08-E126-4E06-8160-B34877E6873C}" type="slidenum">
               <a:rPr lang="zh-CN" altLang="en-US" smtClean="0"/>
               <a:t>‹#›</a:t>
             </a:fld>
@@ -2127,7 +2127,7 @@
     </p:spTree>
     <p:extLst>
       <p:ext uri="{BB962C8B-B14F-4D97-AF65-F5344CB8AC3E}">
-        <p14:creationId xmlns:p14="http://schemas.microsoft.com/office/powerpoint/2010/main" val="1670510335"/>
+        <p14:creationId xmlns:p14="http://schemas.microsoft.com/office/powerpoint/2010/main" val="270537055"/>
       </p:ext>
     </p:extLst>
   </p:cSld>
@@ -2159,7 +2159,7 @@
           <p:cNvPr id="2" name="标题 1">
             <a:extLst>
               <a:ext uri="{FF2B5EF4-FFF2-40B4-BE49-F238E27FC236}">
-                <a16:creationId xmlns:a16="http://schemas.microsoft.com/office/drawing/2014/main" id="{0B71B84B-FE8D-F177-F4EF-556D52C10B36}"/>
+                <a16:creationId xmlns:a16="http://schemas.microsoft.com/office/drawing/2014/main" id="{B780CDA8-D058-22A9-D749-2F484E61086C}"/>
               </a:ext>
             </a:extLst>
           </p:cNvPr>
@@ -2196,7 +2196,7 @@
           <p:cNvPr id="3" name="内容占位符 2">
             <a:extLst>
               <a:ext uri="{FF2B5EF4-FFF2-40B4-BE49-F238E27FC236}">
-                <a16:creationId xmlns:a16="http://schemas.microsoft.com/office/drawing/2014/main" id="{C1AF0E2E-5772-D54D-4F93-F73FAABE535F}"/>
+                <a16:creationId xmlns:a16="http://schemas.microsoft.com/office/drawing/2014/main" id="{95208DB0-31F7-FBA5-38F4-48D479B96BF3}"/>
               </a:ext>
             </a:extLst>
           </p:cNvPr>
@@ -2286,7 +2286,7 @@
           <p:cNvPr id="4" name="文本占位符 3">
             <a:extLst>
               <a:ext uri="{FF2B5EF4-FFF2-40B4-BE49-F238E27FC236}">
-                <a16:creationId xmlns:a16="http://schemas.microsoft.com/office/drawing/2014/main" id="{D39AF517-3C86-00DE-9A30-63B07FE66BD8}"/>
+                <a16:creationId xmlns:a16="http://schemas.microsoft.com/office/drawing/2014/main" id="{0E34E056-3D4D-3867-1E92-D78EC9A99178}"/>
               </a:ext>
             </a:extLst>
           </p:cNvPr>
@@ -2357,7 +2357,7 @@
           <p:cNvPr id="5" name="日期占位符 4">
             <a:extLst>
               <a:ext uri="{FF2B5EF4-FFF2-40B4-BE49-F238E27FC236}">
-                <a16:creationId xmlns:a16="http://schemas.microsoft.com/office/drawing/2014/main" id="{F1172380-C4E3-EB2C-C1C8-769E24466C8B}"/>
+                <a16:creationId xmlns:a16="http://schemas.microsoft.com/office/drawing/2014/main" id="{E5E50377-A5B1-4A31-FAA0-F57EE62E3EA9}"/>
               </a:ext>
             </a:extLst>
           </p:cNvPr>
@@ -2373,7 +2373,7 @@
           <a:bodyPr/>
           <a:lstStyle/>
           <a:p>
-            <a:fld id="{7A4E16F8-89FA-46AE-BCBD-302EDAF091A8}" type="datetimeFigureOut">
+            <a:fld id="{A4693F60-6F60-49E7-BA2E-BD58D91EBAFE}" type="datetimeFigureOut">
               <a:rPr lang="zh-CN" altLang="en-US" smtClean="0"/>
               <a:t>2024/3/10</a:t>
             </a:fld>
@@ -2386,7 +2386,7 @@
           <p:cNvPr id="6" name="页脚占位符 5">
             <a:extLst>
               <a:ext uri="{FF2B5EF4-FFF2-40B4-BE49-F238E27FC236}">
-                <a16:creationId xmlns:a16="http://schemas.microsoft.com/office/drawing/2014/main" id="{6C6A7A48-1BA7-26B6-1D79-83164E833093}"/>
+                <a16:creationId xmlns:a16="http://schemas.microsoft.com/office/drawing/2014/main" id="{87A9D045-EF19-542E-E320-321DB38A89C6}"/>
               </a:ext>
             </a:extLst>
           </p:cNvPr>
@@ -2411,7 +2411,7 @@
           <p:cNvPr id="7" name="灯片编号占位符 6">
             <a:extLst>
               <a:ext uri="{FF2B5EF4-FFF2-40B4-BE49-F238E27FC236}">
-                <a16:creationId xmlns:a16="http://schemas.microsoft.com/office/drawing/2014/main" id="{D57CF6F3-852D-7987-2742-307A5E710E15}"/>
+                <a16:creationId xmlns:a16="http://schemas.microsoft.com/office/drawing/2014/main" id="{5BDBEC0B-33D6-6E7E-6DB0-C8CC6C230E04}"/>
               </a:ext>
             </a:extLst>
           </p:cNvPr>
@@ -2427,7 +2427,7 @@
           <a:bodyPr/>
           <a:lstStyle/>
           <a:p>
-            <a:fld id="{170FA92E-6F3B-4F99-A8DC-D0F52E8B7CCE}" type="slidenum">
+            <a:fld id="{5D30EC08-E126-4E06-8160-B34877E6873C}" type="slidenum">
               <a:rPr lang="zh-CN" altLang="en-US" smtClean="0"/>
               <a:t>‹#›</a:t>
             </a:fld>
@@ -2438,7 +2438,7 @@
     </p:spTree>
     <p:extLst>
       <p:ext uri="{BB962C8B-B14F-4D97-AF65-F5344CB8AC3E}">
-        <p14:creationId xmlns:p14="http://schemas.microsoft.com/office/powerpoint/2010/main" val="145683392"/>
+        <p14:creationId xmlns:p14="http://schemas.microsoft.com/office/powerpoint/2010/main" val="2857757927"/>
       </p:ext>
     </p:extLst>
   </p:cSld>
@@ -2470,7 +2470,7 @@
           <p:cNvPr id="2" name="标题 1">
             <a:extLst>
               <a:ext uri="{FF2B5EF4-FFF2-40B4-BE49-F238E27FC236}">
-                <a16:creationId xmlns:a16="http://schemas.microsoft.com/office/drawing/2014/main" id="{6E104291-4E38-5BD3-3038-EE5E1E28E6D9}"/>
+                <a16:creationId xmlns:a16="http://schemas.microsoft.com/office/drawing/2014/main" id="{6DB6D714-9B38-4802-4D02-9CF59C0F2DC6}"/>
               </a:ext>
             </a:extLst>
           </p:cNvPr>
@@ -2507,7 +2507,7 @@
           <p:cNvPr id="3" name="图片占位符 2">
             <a:extLst>
               <a:ext uri="{FF2B5EF4-FFF2-40B4-BE49-F238E27FC236}">
-                <a16:creationId xmlns:a16="http://schemas.microsoft.com/office/drawing/2014/main" id="{90CC8C5B-C703-DDC6-92CB-ABAEA3052A52}"/>
+                <a16:creationId xmlns:a16="http://schemas.microsoft.com/office/drawing/2014/main" id="{0BE67D00-63C5-C47C-CDD3-A60D6B25D29A}"/>
               </a:ext>
             </a:extLst>
           </p:cNvPr>
@@ -2574,7 +2574,7 @@
           <p:cNvPr id="4" name="文本占位符 3">
             <a:extLst>
               <a:ext uri="{FF2B5EF4-FFF2-40B4-BE49-F238E27FC236}">
-                <a16:creationId xmlns:a16="http://schemas.microsoft.com/office/drawing/2014/main" id="{584E123B-9293-A1AC-76ED-4274DA75F8BB}"/>
+                <a16:creationId xmlns:a16="http://schemas.microsoft.com/office/drawing/2014/main" id="{3A97F353-94F6-CDFB-1D1A-5883EB3540C6}"/>
               </a:ext>
             </a:extLst>
           </p:cNvPr>
@@ -2645,7 +2645,7 @@
           <p:cNvPr id="5" name="日期占位符 4">
             <a:extLst>
               <a:ext uri="{FF2B5EF4-FFF2-40B4-BE49-F238E27FC236}">
-                <a16:creationId xmlns:a16="http://schemas.microsoft.com/office/drawing/2014/main" id="{385D530F-C683-1922-C896-F65682507D06}"/>
+                <a16:creationId xmlns:a16="http://schemas.microsoft.com/office/drawing/2014/main" id="{40C95279-DFA5-4C94-67C8-AC0259E2123C}"/>
               </a:ext>
             </a:extLst>
           </p:cNvPr>
@@ -2661,7 +2661,7 @@
           <a:bodyPr/>
           <a:lstStyle/>
           <a:p>
-            <a:fld id="{7A4E16F8-89FA-46AE-BCBD-302EDAF091A8}" type="datetimeFigureOut">
+            <a:fld id="{A4693F60-6F60-49E7-BA2E-BD58D91EBAFE}" type="datetimeFigureOut">
               <a:rPr lang="zh-CN" altLang="en-US" smtClean="0"/>
               <a:t>2024/3/10</a:t>
             </a:fld>
@@ -2674,7 +2674,7 @@
           <p:cNvPr id="6" name="页脚占位符 5">
             <a:extLst>
               <a:ext uri="{FF2B5EF4-FFF2-40B4-BE49-F238E27FC236}">
-                <a16:creationId xmlns:a16="http://schemas.microsoft.com/office/drawing/2014/main" id="{B52009F9-636E-3C15-3018-20DC39B335E7}"/>
+                <a16:creationId xmlns:a16="http://schemas.microsoft.com/office/drawing/2014/main" id="{BBEE3FEF-1307-B3EE-804C-7D48F97A5B6C}"/>
               </a:ext>
             </a:extLst>
           </p:cNvPr>
@@ -2699,7 +2699,7 @@
           <p:cNvPr id="7" name="灯片编号占位符 6">
             <a:extLst>
               <a:ext uri="{FF2B5EF4-FFF2-40B4-BE49-F238E27FC236}">
-                <a16:creationId xmlns:a16="http://schemas.microsoft.com/office/drawing/2014/main" id="{14D62B2F-AD5C-D925-A4CE-989FD3EA3010}"/>
+                <a16:creationId xmlns:a16="http://schemas.microsoft.com/office/drawing/2014/main" id="{3229FFA1-61B2-A0D1-73A2-2CAB2CEF32D2}"/>
               </a:ext>
             </a:extLst>
           </p:cNvPr>
@@ -2715,7 +2715,7 @@
           <a:bodyPr/>
           <a:lstStyle/>
           <a:p>
-            <a:fld id="{170FA92E-6F3B-4F99-A8DC-D0F52E8B7CCE}" type="slidenum">
+            <a:fld id="{5D30EC08-E126-4E06-8160-B34877E6873C}" type="slidenum">
               <a:rPr lang="zh-CN" altLang="en-US" smtClean="0"/>
               <a:t>‹#›</a:t>
             </a:fld>
@@ -2726,7 +2726,7 @@
     </p:spTree>
     <p:extLst>
       <p:ext uri="{BB962C8B-B14F-4D97-AF65-F5344CB8AC3E}">
-        <p14:creationId xmlns:p14="http://schemas.microsoft.com/office/powerpoint/2010/main" val="657847143"/>
+        <p14:creationId xmlns:p14="http://schemas.microsoft.com/office/powerpoint/2010/main" val="293873294"/>
       </p:ext>
     </p:extLst>
   </p:cSld>
@@ -2763,7 +2763,7 @@
           <p:cNvPr id="2" name="标题占位符 1">
             <a:extLst>
               <a:ext uri="{FF2B5EF4-FFF2-40B4-BE49-F238E27FC236}">
-                <a16:creationId xmlns:a16="http://schemas.microsoft.com/office/drawing/2014/main" id="{2A351E69-FB07-8F4C-519F-8533954AC31A}"/>
+                <a16:creationId xmlns:a16="http://schemas.microsoft.com/office/drawing/2014/main" id="{51463D95-BA64-DB44-B1CE-9CF097C2AB04}"/>
               </a:ext>
             </a:extLst>
           </p:cNvPr>
@@ -2801,7 +2801,7 @@
           <p:cNvPr id="3" name="文本占位符 2">
             <a:extLst>
               <a:ext uri="{FF2B5EF4-FFF2-40B4-BE49-F238E27FC236}">
-                <a16:creationId xmlns:a16="http://schemas.microsoft.com/office/drawing/2014/main" id="{3A362EC7-6658-C90C-145F-4B69B626D45D}"/>
+                <a16:creationId xmlns:a16="http://schemas.microsoft.com/office/drawing/2014/main" id="{969BE240-ADD1-5068-4C07-6A74616267E4}"/>
               </a:ext>
             </a:extLst>
           </p:cNvPr>
@@ -2868,7 +2868,7 @@
           <p:cNvPr id="4" name="日期占位符 3">
             <a:extLst>
               <a:ext uri="{FF2B5EF4-FFF2-40B4-BE49-F238E27FC236}">
-                <a16:creationId xmlns:a16="http://schemas.microsoft.com/office/drawing/2014/main" id="{60D75173-9EC5-E6BF-C152-0D402B7B0B2C}"/>
+                <a16:creationId xmlns:a16="http://schemas.microsoft.com/office/drawing/2014/main" id="{76F1BB7B-EE1B-08C0-008F-347C3D044E99}"/>
               </a:ext>
             </a:extLst>
           </p:cNvPr>
@@ -2902,7 +2902,7 @@
             </a:lvl1pPr>
           </a:lstStyle>
           <a:p>
-            <a:fld id="{7A4E16F8-89FA-46AE-BCBD-302EDAF091A8}" type="datetimeFigureOut">
+            <a:fld id="{A4693F60-6F60-49E7-BA2E-BD58D91EBAFE}" type="datetimeFigureOut">
               <a:rPr lang="zh-CN" altLang="en-US" smtClean="0"/>
               <a:t>2024/3/10</a:t>
             </a:fld>
@@ -2915,7 +2915,7 @@
           <p:cNvPr id="5" name="页脚占位符 4">
             <a:extLst>
               <a:ext uri="{FF2B5EF4-FFF2-40B4-BE49-F238E27FC236}">
-                <a16:creationId xmlns:a16="http://schemas.microsoft.com/office/drawing/2014/main" id="{8F81DD85-67DC-21EE-2BB7-170F5FC884BD}"/>
+                <a16:creationId xmlns:a16="http://schemas.microsoft.com/office/drawing/2014/main" id="{04A0F888-AAF6-8945-E3BC-F7F05074992D}"/>
               </a:ext>
             </a:extLst>
           </p:cNvPr>
@@ -2958,7 +2958,7 @@
           <p:cNvPr id="6" name="灯片编号占位符 5">
             <a:extLst>
               <a:ext uri="{FF2B5EF4-FFF2-40B4-BE49-F238E27FC236}">
-                <a16:creationId xmlns:a16="http://schemas.microsoft.com/office/drawing/2014/main" id="{0372A2FE-3B2F-89F4-5625-5E6B37E45705}"/>
+                <a16:creationId xmlns:a16="http://schemas.microsoft.com/office/drawing/2014/main" id="{04306AC3-7495-B575-C44F-AE558E0AC9F7}"/>
               </a:ext>
             </a:extLst>
           </p:cNvPr>
@@ -2992,7 +2992,7 @@
             </a:lvl1pPr>
           </a:lstStyle>
           <a:p>
-            <a:fld id="{170FA92E-6F3B-4F99-A8DC-D0F52E8B7CCE}" type="slidenum">
+            <a:fld id="{5D30EC08-E126-4E06-8160-B34877E6873C}" type="slidenum">
               <a:rPr lang="zh-CN" altLang="en-US" smtClean="0"/>
               <a:t>‹#›</a:t>
             </a:fld>
@@ -3003,7 +3003,7 @@
     </p:spTree>
     <p:extLst>
       <p:ext uri="{BB962C8B-B14F-4D97-AF65-F5344CB8AC3E}">
-        <p14:creationId xmlns:p14="http://schemas.microsoft.com/office/powerpoint/2010/main" val="1425589932"/>
+        <p14:creationId xmlns:p14="http://schemas.microsoft.com/office/powerpoint/2010/main" val="2885527934"/>
       </p:ext>
     </p:extLst>
   </p:cSld>
@@ -3323,7 +3323,7 @@
       </p:grpSpPr>
       <p:pic>
         <p:nvPicPr>
-          <p:cNvPr id="1055746" name="Picture 2" descr="1030"/>
+          <p:cNvPr id="1056770" name="Picture 2" descr="1031"/>
           <p:cNvPicPr>
             <a:picLocks noChangeAspect="1" noChangeArrowheads="1"/>
           </p:cNvPicPr>
